--- a/information_media_B/abstract/submit.pptx
+++ b/information_media_B/abstract/submit.pptx
@@ -9,7 +9,8 @@
     <p:sldId id="257" r:id="rId3"/>
     <p:sldId id="258" r:id="rId4"/>
     <p:sldId id="259" r:id="rId5"/>
-    <p:sldId id="260" r:id="rId6"/>
+    <p:sldId id="261" r:id="rId6"/>
+    <p:sldId id="260" r:id="rId7"/>
   </p:sldIdLst>
   <p:sldSz cx="12192000" cy="6858000"/>
   <p:notesSz cx="6858000" cy="9144000"/>
@@ -3744,7 +3745,12 @@
             <p:ph idx="1"/>
           </p:nvPr>
         </p:nvSpPr>
-        <p:spPr/>
+        <p:spPr>
+          <a:xfrm>
+            <a:off x="838200" y="1825624"/>
+            <a:ext cx="10515600" cy="4865461"/>
+          </a:xfrm>
+        </p:spPr>
         <p:txBody>
           <a:bodyPr>
             <a:noAutofit/>
@@ -3755,8 +3761,8 @@
               <a:buNone/>
             </a:pPr>
             <a:r>
-              <a:rPr lang="en-US" sz="2000" dirty="0"/>
-              <a:t>We propose a graphics system to control the spatial position and 3D animation of small objects by utilizing a noncontact manipulation technology. </a:t>
+              <a:rPr lang="en-US" sz="1800" dirty="0"/>
+              <a:t>We propose a graphics system to control the spatial position and 3D animation of small objects by utilizing a non-contact manipulation technology. </a:t>
             </a:r>
           </a:p>
           <a:p>
@@ -3764,7 +3770,7 @@
               <a:buNone/>
             </a:pPr>
             <a:r>
-              <a:rPr lang="en-US" sz="2000" dirty="0"/>
+              <a:rPr lang="en-US" sz="1800" dirty="0"/>
               <a:t>Previous works on noncontact levitation/manipulation are based on potential fields determined by various physical quantities, such as sound pressure in acoustic levitation and magnetic fields in magnetic levitation. Levitated objects can be manipulated by spatially and temporally controlling the potential fields. When the field is controlled by a computer, we call it a “computational potential field” (CPF).</a:t>
             </a:r>
           </a:p>
@@ -3773,29 +3779,26 @@
               <a:buNone/>
             </a:pPr>
             <a:r>
-              <a:rPr lang="en-US" sz="2000" dirty="0"/>
-              <a:t>We present the details of system to control acoustic-potential field(APF) using ultrasonic-phased array and investigate the application of our system.</a:t>
+              <a:rPr lang="en-US" sz="1800" dirty="0"/>
+              <a:t>We present the details of the system to control acoustic-potential field(APF) using the ultrasonic-phased array and investigate the application of our system. Our manipulation system with four modules of 40 kHz phased array consists of 285 transducers. The surrounded area is 520×520mm^2. The position of the focal point is digitally controlled with a resolution of 1/16 of the wavelength (approximately 0.5mm for the 40 kHz ultrasound) and can be refreshed at 1kHz. The system suspends up to 1.09g and 0.66g.</a:t>
             </a:r>
           </a:p>
           <a:p>
             <a:pPr marL="0" indent="0">
               <a:buNone/>
             </a:pPr>
-            <a:endParaRPr lang="en-US" sz="2000" dirty="0"/>
+            <a:r>
+              <a:rPr lang="en-US" sz="1800" dirty="0"/>
+              <a:t>We show the three characteristics methods for application: grid-like APF, high-speed animated APF, and combined motion capture. Moreover, we realized some applications: mid-air screen, physical raster graphics, physical vector graphics, and interaction with floated materials.</a:t>
+            </a:r>
           </a:p>
           <a:p>
             <a:pPr marL="0" indent="0">
               <a:buNone/>
             </a:pPr>
-            <a:endParaRPr lang="en-US" sz="2000" dirty="0"/>
-          </a:p>
-          <a:p>
-            <a:pPr marL="0" indent="0">
-              <a:buNone/>
-            </a:pPr>
-            <a:r>
-              <a:rPr lang="en-US" sz="2000" dirty="0"/>
-              <a:t>The organization of this contribution is as follows. First, we describe the design of our graphics system. We present the details of the ultrasonic-phased array and discuss its advantages and disadvantages. Second, we report the performance measurements of our system, including the measurements of the spatial resolution, stability, speed of movements, and size and weight of the levitated objects. Finally, we investigate the applications of our system. In addition to the examples of acoustic-potential field based graphics applications, we also discuss the implementation of 3D interaction. By integrating a motion-capture system into our graphics system, we facilitate interaction between the levitated objects and the user. Although our investigation is performed using acoustic levitation, our results and discussions can also be useful in designing other CPF-based graphics using other principles of mid-air levitation. </a:t>
+            <a:r>
+              <a:rPr lang="en-US" sz="1800" dirty="0"/>
+              <a:t>This paper reports the details of CPF using APF and discusses the limitations, scalability, and setup variations.</a:t>
             </a:r>
           </a:p>
         </p:txBody>
@@ -3835,6 +3838,564 @@
           <p:cNvPr id="2" name="Title 1">
             <a:extLst>
               <a:ext uri="{FF2B5EF4-FFF2-40B4-BE49-F238E27FC236}">
+                <a16:creationId xmlns:a16="http://schemas.microsoft.com/office/drawing/2014/main" id="{955469CB-BC56-6447-A259-1467AC73DAF8}"/>
+              </a:ext>
+            </a:extLst>
+          </p:cNvPr>
+          <p:cNvSpPr>
+            <a:spLocks noGrp="1"/>
+          </p:cNvSpPr>
+          <p:nvPr>
+            <p:ph type="title"/>
+          </p:nvPr>
+        </p:nvSpPr>
+        <p:spPr/>
+        <p:txBody>
+          <a:bodyPr/>
+          <a:lstStyle/>
+          <a:p>
+            <a:r>
+              <a:rPr lang="ja-JP" altLang="en-US"/>
+              <a:t>著者の抄録の分析</a:t>
+            </a:r>
+            <a:endParaRPr lang="en-US" dirty="0"/>
+          </a:p>
+        </p:txBody>
+      </p:sp>
+      <p:sp>
+        <p:nvSpPr>
+          <p:cNvPr id="3" name="Content Placeholder 2">
+            <a:extLst>
+              <a:ext uri="{FF2B5EF4-FFF2-40B4-BE49-F238E27FC236}">
+                <a16:creationId xmlns:a16="http://schemas.microsoft.com/office/drawing/2014/main" id="{ADF441EF-7604-CA4D-9245-FD00848EAC86}"/>
+              </a:ext>
+            </a:extLst>
+          </p:cNvPr>
+          <p:cNvSpPr>
+            <a:spLocks noGrp="1"/>
+          </p:cNvSpPr>
+          <p:nvPr>
+            <p:ph idx="1"/>
+          </p:nvPr>
+        </p:nvSpPr>
+        <p:spPr/>
+        <p:txBody>
+          <a:bodyPr>
+            <a:normAutofit fontScale="92500" lnSpcReduction="10000"/>
+          </a:bodyPr>
+          <a:lstStyle/>
+          <a:p>
+            <a:pPr marL="0" indent="0">
+              <a:buNone/>
+            </a:pPr>
+            <a:r>
+              <a:rPr lang="en-US" sz="2000" dirty="0"/>
+              <a:t>We propose a novel graphics system based on the expansion of 3D acoustic-manipulation technology. </a:t>
+            </a:r>
+          </a:p>
+          <a:p>
+            <a:pPr marL="0" indent="0">
+              <a:buNone/>
+            </a:pPr>
+            <a:r>
+              <a:rPr lang="en-US" sz="2000" dirty="0"/>
+              <a:t>In conventional research on acoustic levitation, small objects are trapped in the acoustic beams of standing waves. We expand this method by changing the distribution of the acoustic-potential field (APF). </a:t>
+            </a:r>
+          </a:p>
+          <a:p>
+            <a:pPr marL="0" indent="0">
+              <a:buNone/>
+            </a:pPr>
+            <a:r>
+              <a:rPr lang="en-US" sz="2000" dirty="0"/>
+              <a:t>Using this technique, we can generate the graphics using levitated small objects. Our approach makes available many expressions, such as the expression by materials and non-digital appearance. These kinds of expressions are used in many applications, and we aim to combine them with digital controllability. </a:t>
+            </a:r>
+          </a:p>
+          <a:p>
+            <a:pPr marL="0" indent="0">
+              <a:buNone/>
+            </a:pPr>
+            <a:r>
+              <a:rPr lang="en-US" sz="2000" dirty="0"/>
+              <a:t>In the current system, multiple particles are levitated together at 4.25-mm intervals. The spatial resolution of the position is 0.5 mm. Particles move at up to 72 cm/s. The allowable density of the material can be up to 7 g/cm</a:t>
+            </a:r>
+            <a:r>
+              <a:rPr lang="en-US" sz="2000" baseline="30000" dirty="0"/>
+              <a:t>3</a:t>
+            </a:r>
+            <a:r>
+              <a:rPr lang="en-US" sz="2000" dirty="0"/>
+              <a:t>. For this study, we use three options of APF: 2D grid, high-speed movement, and combination with motion capture. These are used to realize floating screen or mid-air raster graphics, mid-air vector graphics, and interaction with levitated objects. </a:t>
+            </a:r>
+          </a:p>
+          <a:p>
+            <a:pPr marL="0" indent="0">
+              <a:buNone/>
+            </a:pPr>
+            <a:r>
+              <a:rPr lang="en-US" sz="2000" dirty="0"/>
+              <a:t>This paper reports the details of the acoustic-potential field generator on the design, control, performance evaluation, and exploration of the application space. To discuss the various noncontact manipulation technologies in a unified manner, we introduce a concept called "computational potential field" (CPF).</a:t>
+            </a:r>
+          </a:p>
+        </p:txBody>
+      </p:sp>
+      <p:sp>
+        <p:nvSpPr>
+          <p:cNvPr id="4" name="Rectangle 3">
+            <a:extLst>
+              <a:ext uri="{FF2B5EF4-FFF2-40B4-BE49-F238E27FC236}">
+                <a16:creationId xmlns:a16="http://schemas.microsoft.com/office/drawing/2014/main" id="{D49E9F03-6AF1-AC48-9AA2-EDEF5424F880}"/>
+              </a:ext>
+            </a:extLst>
+          </p:cNvPr>
+          <p:cNvSpPr/>
+          <p:nvPr/>
+        </p:nvSpPr>
+        <p:spPr>
+          <a:xfrm>
+            <a:off x="838200" y="1825625"/>
+            <a:ext cx="10236200" cy="293461"/>
+          </a:xfrm>
+          <a:prstGeom prst="rect">
+            <a:avLst/>
+          </a:prstGeom>
+          <a:solidFill>
+            <a:srgbClr val="FF0000">
+              <a:alpha val="56863"/>
+            </a:srgbClr>
+          </a:solidFill>
+          <a:ln w="38100">
+            <a:solidFill>
+              <a:srgbClr val="C00000"/>
+            </a:solidFill>
+          </a:ln>
+        </p:spPr>
+        <p:style>
+          <a:lnRef idx="2">
+            <a:schemeClr val="accent1">
+              <a:shade val="50000"/>
+            </a:schemeClr>
+          </a:lnRef>
+          <a:fillRef idx="1">
+            <a:schemeClr val="accent1"/>
+          </a:fillRef>
+          <a:effectRef idx="0">
+            <a:schemeClr val="accent1"/>
+          </a:effectRef>
+          <a:fontRef idx="minor">
+            <a:schemeClr val="lt1"/>
+          </a:fontRef>
+        </p:style>
+        <p:txBody>
+          <a:bodyPr rtlCol="0" anchor="ctr"/>
+          <a:lstStyle/>
+          <a:p>
+            <a:pPr algn="ctr"/>
+            <a:r>
+              <a:rPr lang="ja-JP" altLang="en-US" sz="2000" b="1">
+                <a:solidFill>
+                  <a:schemeClr val="bg1"/>
+                </a:solidFill>
+              </a:rPr>
+              <a:t>目的</a:t>
+            </a:r>
+            <a:endParaRPr lang="en-US" sz="2000" b="1" dirty="0">
+              <a:solidFill>
+                <a:schemeClr val="bg1"/>
+              </a:solidFill>
+            </a:endParaRPr>
+          </a:p>
+        </p:txBody>
+      </p:sp>
+      <p:sp>
+        <p:nvSpPr>
+          <p:cNvPr id="5" name="Rectangle 4">
+            <a:extLst>
+              <a:ext uri="{FF2B5EF4-FFF2-40B4-BE49-F238E27FC236}">
+                <a16:creationId xmlns:a16="http://schemas.microsoft.com/office/drawing/2014/main" id="{791F9111-A256-F649-ADAB-B16F7AB9DD25}"/>
+              </a:ext>
+            </a:extLst>
+          </p:cNvPr>
+          <p:cNvSpPr/>
+          <p:nvPr/>
+        </p:nvSpPr>
+        <p:spPr>
+          <a:xfrm>
+            <a:off x="838200" y="2224995"/>
+            <a:ext cx="10515600" cy="503691"/>
+          </a:xfrm>
+          <a:prstGeom prst="rect">
+            <a:avLst/>
+          </a:prstGeom>
+          <a:solidFill>
+            <a:srgbClr val="FF0000">
+              <a:alpha val="56863"/>
+            </a:srgbClr>
+          </a:solidFill>
+          <a:ln w="38100">
+            <a:solidFill>
+              <a:srgbClr val="C00000"/>
+            </a:solidFill>
+          </a:ln>
+        </p:spPr>
+        <p:style>
+          <a:lnRef idx="2">
+            <a:schemeClr val="accent1">
+              <a:shade val="50000"/>
+            </a:schemeClr>
+          </a:lnRef>
+          <a:fillRef idx="1">
+            <a:schemeClr val="accent1"/>
+          </a:fillRef>
+          <a:effectRef idx="0">
+            <a:schemeClr val="accent1"/>
+          </a:effectRef>
+          <a:fontRef idx="minor">
+            <a:schemeClr val="lt1"/>
+          </a:fontRef>
+        </p:style>
+        <p:txBody>
+          <a:bodyPr rtlCol="0" anchor="ctr"/>
+          <a:lstStyle/>
+          <a:p>
+            <a:pPr algn="ctr"/>
+            <a:r>
+              <a:rPr lang="ja-JP" altLang="en-US" sz="2000" b="1">
+                <a:solidFill>
+                  <a:schemeClr val="bg1"/>
+                </a:solidFill>
+              </a:rPr>
+              <a:t>背景</a:t>
+            </a:r>
+            <a:endParaRPr lang="en-US" sz="2000" b="1" dirty="0">
+              <a:solidFill>
+                <a:schemeClr val="bg1"/>
+              </a:solidFill>
+            </a:endParaRPr>
+          </a:p>
+        </p:txBody>
+      </p:sp>
+      <p:sp>
+        <p:nvSpPr>
+          <p:cNvPr id="6" name="Rectangle 5">
+            <a:extLst>
+              <a:ext uri="{FF2B5EF4-FFF2-40B4-BE49-F238E27FC236}">
+                <a16:creationId xmlns:a16="http://schemas.microsoft.com/office/drawing/2014/main" id="{B2727439-EDFF-6F4C-AA3A-9428E81F6B60}"/>
+              </a:ext>
+            </a:extLst>
+          </p:cNvPr>
+          <p:cNvSpPr/>
+          <p:nvPr/>
+        </p:nvSpPr>
+        <p:spPr>
+          <a:xfrm>
+            <a:off x="838200" y="2805567"/>
+            <a:ext cx="10515600" cy="721405"/>
+          </a:xfrm>
+          <a:prstGeom prst="rect">
+            <a:avLst/>
+          </a:prstGeom>
+          <a:solidFill>
+            <a:srgbClr val="FF0000">
+              <a:alpha val="56863"/>
+            </a:srgbClr>
+          </a:solidFill>
+          <a:ln w="38100">
+            <a:solidFill>
+              <a:srgbClr val="C00000"/>
+            </a:solidFill>
+          </a:ln>
+        </p:spPr>
+        <p:style>
+          <a:lnRef idx="2">
+            <a:schemeClr val="accent1">
+              <a:shade val="50000"/>
+            </a:schemeClr>
+          </a:lnRef>
+          <a:fillRef idx="1">
+            <a:schemeClr val="accent1"/>
+          </a:fillRef>
+          <a:effectRef idx="0">
+            <a:schemeClr val="accent1"/>
+          </a:effectRef>
+          <a:fontRef idx="minor">
+            <a:schemeClr val="lt1"/>
+          </a:fontRef>
+        </p:style>
+        <p:txBody>
+          <a:bodyPr rtlCol="0" anchor="ctr"/>
+          <a:lstStyle/>
+          <a:p>
+            <a:pPr algn="ctr"/>
+            <a:r>
+              <a:rPr lang="ja-JP" altLang="en-US" sz="2000" b="1">
+                <a:solidFill>
+                  <a:schemeClr val="bg1"/>
+                </a:solidFill>
+              </a:rPr>
+              <a:t>やったこと</a:t>
+            </a:r>
+            <a:endParaRPr lang="en-US" sz="2000" b="1" dirty="0">
+              <a:solidFill>
+                <a:schemeClr val="bg1"/>
+              </a:solidFill>
+            </a:endParaRPr>
+          </a:p>
+        </p:txBody>
+      </p:sp>
+      <p:sp>
+        <p:nvSpPr>
+          <p:cNvPr id="7" name="Rectangle 6">
+            <a:extLst>
+              <a:ext uri="{FF2B5EF4-FFF2-40B4-BE49-F238E27FC236}">
+                <a16:creationId xmlns:a16="http://schemas.microsoft.com/office/drawing/2014/main" id="{018609F9-63E2-E047-91E3-A8BBF47ADB41}"/>
+              </a:ext>
+            </a:extLst>
+          </p:cNvPr>
+          <p:cNvSpPr/>
+          <p:nvPr/>
+        </p:nvSpPr>
+        <p:spPr>
+          <a:xfrm>
+            <a:off x="838200" y="3603853"/>
+            <a:ext cx="10515600" cy="1229404"/>
+          </a:xfrm>
+          <a:prstGeom prst="rect">
+            <a:avLst/>
+          </a:prstGeom>
+          <a:solidFill>
+            <a:srgbClr val="FF0000">
+              <a:alpha val="56863"/>
+            </a:srgbClr>
+          </a:solidFill>
+          <a:ln w="38100">
+            <a:solidFill>
+              <a:srgbClr val="C00000"/>
+            </a:solidFill>
+          </a:ln>
+        </p:spPr>
+        <p:style>
+          <a:lnRef idx="2">
+            <a:schemeClr val="accent1">
+              <a:shade val="50000"/>
+            </a:schemeClr>
+          </a:lnRef>
+          <a:fillRef idx="1">
+            <a:schemeClr val="accent1"/>
+          </a:fillRef>
+          <a:effectRef idx="0">
+            <a:schemeClr val="accent1"/>
+          </a:effectRef>
+          <a:fontRef idx="minor">
+            <a:schemeClr val="lt1"/>
+          </a:fontRef>
+        </p:style>
+        <p:txBody>
+          <a:bodyPr rtlCol="0" anchor="ctr"/>
+          <a:lstStyle/>
+          <a:p>
+            <a:pPr algn="ctr"/>
+            <a:r>
+              <a:rPr lang="ja-JP" altLang="en-US" sz="2000" b="1">
+                <a:solidFill>
+                  <a:schemeClr val="bg1"/>
+                </a:solidFill>
+              </a:rPr>
+              <a:t>実装，実験とその結果</a:t>
+            </a:r>
+            <a:endParaRPr lang="en-US" sz="2000" b="1" dirty="0">
+              <a:solidFill>
+                <a:schemeClr val="bg1"/>
+              </a:solidFill>
+            </a:endParaRPr>
+          </a:p>
+        </p:txBody>
+      </p:sp>
+      <p:sp>
+        <p:nvSpPr>
+          <p:cNvPr id="8" name="Rectangle 7">
+            <a:extLst>
+              <a:ext uri="{FF2B5EF4-FFF2-40B4-BE49-F238E27FC236}">
+                <a16:creationId xmlns:a16="http://schemas.microsoft.com/office/drawing/2014/main" id="{312858D7-7B7A-8046-AE3C-851AF29D4F2C}"/>
+              </a:ext>
+            </a:extLst>
+          </p:cNvPr>
+          <p:cNvSpPr/>
+          <p:nvPr/>
+        </p:nvSpPr>
+        <p:spPr>
+          <a:xfrm>
+            <a:off x="838200" y="4947559"/>
+            <a:ext cx="10515600" cy="974270"/>
+          </a:xfrm>
+          <a:prstGeom prst="rect">
+            <a:avLst/>
+          </a:prstGeom>
+          <a:solidFill>
+            <a:srgbClr val="FF0000">
+              <a:alpha val="56863"/>
+            </a:srgbClr>
+          </a:solidFill>
+          <a:ln w="38100">
+            <a:solidFill>
+              <a:srgbClr val="C00000"/>
+            </a:solidFill>
+          </a:ln>
+        </p:spPr>
+        <p:style>
+          <a:lnRef idx="2">
+            <a:schemeClr val="accent1">
+              <a:shade val="50000"/>
+            </a:schemeClr>
+          </a:lnRef>
+          <a:fillRef idx="1">
+            <a:schemeClr val="accent1"/>
+          </a:fillRef>
+          <a:effectRef idx="0">
+            <a:schemeClr val="accent1"/>
+          </a:effectRef>
+          <a:fontRef idx="minor">
+            <a:schemeClr val="lt1"/>
+          </a:fontRef>
+        </p:style>
+        <p:txBody>
+          <a:bodyPr rtlCol="0" anchor="ctr"/>
+          <a:lstStyle/>
+          <a:p>
+            <a:pPr algn="ctr"/>
+            <a:r>
+              <a:rPr lang="ja-JP" altLang="en-US" sz="2000" b="1">
+                <a:solidFill>
+                  <a:schemeClr val="bg1"/>
+                </a:solidFill>
+              </a:rPr>
+              <a:t>まとめと議論</a:t>
+            </a:r>
+            <a:endParaRPr lang="en-US" sz="2000" b="1" dirty="0">
+              <a:solidFill>
+                <a:schemeClr val="bg1"/>
+              </a:solidFill>
+            </a:endParaRPr>
+          </a:p>
+        </p:txBody>
+      </p:sp>
+      <p:sp>
+        <p:nvSpPr>
+          <p:cNvPr id="9" name="Right Arrow 8">
+            <a:extLst>
+              <a:ext uri="{FF2B5EF4-FFF2-40B4-BE49-F238E27FC236}">
+                <a16:creationId xmlns:a16="http://schemas.microsoft.com/office/drawing/2014/main" id="{5BC0C881-D625-8E46-8613-2A4384567C02}"/>
+              </a:ext>
+            </a:extLst>
+          </p:cNvPr>
+          <p:cNvSpPr/>
+          <p:nvPr/>
+        </p:nvSpPr>
+        <p:spPr>
+          <a:xfrm>
+            <a:off x="838200" y="6036131"/>
+            <a:ext cx="913885" cy="681037"/>
+          </a:xfrm>
+          <a:prstGeom prst="rightArrow">
+            <a:avLst/>
+          </a:prstGeom>
+        </p:spPr>
+        <p:style>
+          <a:lnRef idx="2">
+            <a:schemeClr val="accent1">
+              <a:shade val="50000"/>
+            </a:schemeClr>
+          </a:lnRef>
+          <a:fillRef idx="1">
+            <a:schemeClr val="accent1"/>
+          </a:fillRef>
+          <a:effectRef idx="0">
+            <a:schemeClr val="accent1"/>
+          </a:effectRef>
+          <a:fontRef idx="minor">
+            <a:schemeClr val="lt1"/>
+          </a:fontRef>
+        </p:style>
+        <p:txBody>
+          <a:bodyPr rtlCol="0" anchor="ctr"/>
+          <a:lstStyle/>
+          <a:p>
+            <a:pPr algn="ctr"/>
+            <a:endParaRPr lang="en-US"/>
+          </a:p>
+        </p:txBody>
+      </p:sp>
+      <p:sp>
+        <p:nvSpPr>
+          <p:cNvPr id="10" name="TextBox 9">
+            <a:extLst>
+              <a:ext uri="{FF2B5EF4-FFF2-40B4-BE49-F238E27FC236}">
+                <a16:creationId xmlns:a16="http://schemas.microsoft.com/office/drawing/2014/main" id="{244575D7-9060-9B49-85CA-11713DA5AF85}"/>
+              </a:ext>
+            </a:extLst>
+          </p:cNvPr>
+          <p:cNvSpPr txBox="1"/>
+          <p:nvPr/>
+        </p:nvSpPr>
+        <p:spPr>
+          <a:xfrm>
+            <a:off x="1882713" y="6169028"/>
+            <a:ext cx="10033516" cy="461665"/>
+          </a:xfrm>
+          <a:prstGeom prst="rect">
+            <a:avLst/>
+          </a:prstGeom>
+          <a:noFill/>
+        </p:spPr>
+        <p:txBody>
+          <a:bodyPr wrap="square" rtlCol="0">
+            <a:spAutoFit/>
+          </a:bodyPr>
+          <a:lstStyle/>
+          <a:p>
+            <a:r>
+              <a:rPr lang="ja-JP" altLang="en-US" sz="2400"/>
+              <a:t>自分も同じな構成でまとめたが，数値や文章構成が原著論文の方が良い</a:t>
+            </a:r>
+            <a:endParaRPr lang="en-US" sz="2400" dirty="0"/>
+          </a:p>
+        </p:txBody>
+      </p:sp>
+    </p:spTree>
+    <p:extLst>
+      <p:ext uri="{BB962C8B-B14F-4D97-AF65-F5344CB8AC3E}">
+        <p14:creationId xmlns:p14="http://schemas.microsoft.com/office/powerpoint/2010/main" val="4019838038"/>
+      </p:ext>
+    </p:extLst>
+  </p:cSld>
+  <p:clrMapOvr>
+    <a:masterClrMapping/>
+  </p:clrMapOvr>
+</p:sld>
+</file>
+
+<file path=ppt/slides/slide6.xml><?xml version="1.0" encoding="utf-8"?>
+<p:sld xmlns:a="http://schemas.openxmlformats.org/drawingml/2006/main" xmlns:r="http://schemas.openxmlformats.org/officeDocument/2006/relationships" xmlns:p="http://schemas.openxmlformats.org/presentationml/2006/main">
+  <p:cSld>
+    <p:spTree>
+      <p:nvGrpSpPr>
+        <p:cNvPr id="1" name=""/>
+        <p:cNvGrpSpPr/>
+        <p:nvPr/>
+      </p:nvGrpSpPr>
+      <p:grpSpPr>
+        <a:xfrm>
+          <a:off x="0" y="0"/>
+          <a:ext cx="0" cy="0"/>
+          <a:chOff x="0" y="0"/>
+          <a:chExt cx="0" cy="0"/>
+        </a:xfrm>
+      </p:grpSpPr>
+      <p:sp>
+        <p:nvSpPr>
+          <p:cNvPr id="2" name="Title 1">
+            <a:extLst>
+              <a:ext uri="{FF2B5EF4-FFF2-40B4-BE49-F238E27FC236}">
                 <a16:creationId xmlns:a16="http://schemas.microsoft.com/office/drawing/2014/main" id="{2F38A45F-2529-9E43-BCDA-0C5112FA2DC2}"/>
               </a:ext>
             </a:extLst>
@@ -3880,7 +4441,18 @@
           <a:bodyPr/>
           <a:lstStyle/>
           <a:p>
-            <a:endParaRPr lang="en-US"/>
+            <a:r>
+              <a:rPr lang="ja-JP" altLang="en-US"/>
+              <a:t>抄録の書き方が構造して理解できた</a:t>
+            </a:r>
+            <a:endParaRPr lang="en-US" altLang="ja-JP" dirty="0"/>
+          </a:p>
+          <a:p>
+            <a:r>
+              <a:rPr lang="ja-JP" altLang="en-US"/>
+              <a:t>課題を通じて，実際の論文の読み方への理解も向上させることができた</a:t>
+            </a:r>
+            <a:endParaRPr lang="en-US" dirty="0"/>
           </a:p>
         </p:txBody>
       </p:sp>

--- a/information_media_B/abstract/submit.pptx
+++ b/information_media_B/abstract/submit.pptx
@@ -4293,7 +4293,7 @@
         </p:nvSpPr>
         <p:spPr>
           <a:xfrm>
-            <a:off x="838200" y="6036131"/>
+            <a:off x="406399" y="6036131"/>
             <a:ext cx="913885" cy="681037"/>
           </a:xfrm>
           <a:prstGeom prst="rightArrow">
@@ -4339,8 +4339,8 @@
         </p:nvSpPr>
         <p:spPr>
           <a:xfrm>
-            <a:off x="1882713" y="6169028"/>
-            <a:ext cx="10033516" cy="461665"/>
+            <a:off x="1320284" y="6169028"/>
+            <a:ext cx="10595945" cy="461665"/>
           </a:xfrm>
           <a:prstGeom prst="rect">
             <a:avLst/>
@@ -4355,7 +4355,7 @@
           <a:p>
             <a:r>
               <a:rPr lang="ja-JP" altLang="en-US" sz="2400"/>
-              <a:t>自分も同じな構成でまとめたが，数値や文章構成が原著論文の方が良い</a:t>
+              <a:t>自分も同じような構成でまとめたが，数値や文章構成が原著論文の方が良い</a:t>
             </a:r>
             <a:endParaRPr lang="en-US" sz="2400" dirty="0"/>
           </a:p>
